--- a/final_presentation.pptx
+++ b/final_presentation.pptx
@@ -204,7 +204,7 @@
           <a:p>
             <a:fld id="{E1860593-0D64-470F-9E98-7833DD57DCC2}" type="datetimeFigureOut">
               <a:rPr lang="en-US" smtClean="0"/>
-              <a:t>1/1/2022</a:t>
+              <a:t>1/28/2023</a:t>
             </a:fld>
             <a:endParaRPr lang="en-US"/>
           </a:p>
@@ -642,7 +642,7 @@
           <a:p>
             <a:fld id="{F2063B4F-2643-45A1-B5C6-05D686E4797C}" type="datetime1">
               <a:rPr lang="en-US" smtClean="0"/>
-              <a:t>1/1/2022</a:t>
+              <a:t>1/28/2023</a:t>
             </a:fld>
             <a:endParaRPr lang="id-ID"/>
           </a:p>
@@ -791,7 +791,7 @@
           <a:p>
             <a:fld id="{9DB9FDCF-DE66-4FA6-B5A2-696FE6DC8ED0}" type="datetime1">
               <a:rPr lang="en-US" smtClean="0"/>
-              <a:t>1/1/2022</a:t>
+              <a:t>1/28/2023</a:t>
             </a:fld>
             <a:endParaRPr lang="id-ID"/>
           </a:p>
@@ -4664,7 +4664,7 @@
           <a:p>
             <a:fld id="{FA5B911E-C1BD-4FCF-B5DE-7CE95AA67058}" type="datetime1">
               <a:rPr lang="en-US" smtClean="0"/>
-              <a:t>1/1/2022</a:t>
+              <a:t>1/28/2023</a:t>
             </a:fld>
             <a:endParaRPr lang="id-ID"/>
           </a:p>
@@ -13254,7 +13254,7 @@
           <a:p>
             <a:fld id="{A3DE143B-0119-44F9-A5FF-FACB6779C982}" type="datetime1">
               <a:rPr lang="en-US" smtClean="0"/>
-              <a:t>1/1/2022</a:t>
+              <a:t>1/28/2023</a:t>
             </a:fld>
             <a:endParaRPr lang="id-ID"/>
           </a:p>
@@ -13588,7 +13588,7 @@
           <a:p>
             <a:fld id="{CB6C60F3-D810-4579-A99F-3948F683AF18}" type="datetime1">
               <a:rPr lang="en-US" smtClean="0"/>
-              <a:t>1/1/2022</a:t>
+              <a:t>1/28/2023</a:t>
             </a:fld>
             <a:endParaRPr lang="id-ID"/>
           </a:p>
@@ -13840,7 +13840,7 @@
           <a:p>
             <a:fld id="{258B4EDE-9EEB-4403-B7D0-989387C660DE}" type="datetime1">
               <a:rPr lang="en-US" smtClean="0"/>
-              <a:t>1/1/2022</a:t>
+              <a:t>1/28/2023</a:t>
             </a:fld>
             <a:endParaRPr lang="id-ID"/>
           </a:p>
@@ -14092,7 +14092,7 @@
           <a:p>
             <a:fld id="{EE13DC54-E201-4347-B739-DAD0F8540F45}" type="datetime1">
               <a:rPr lang="en-US" smtClean="0"/>
-              <a:t>1/1/2022</a:t>
+              <a:t>1/28/2023</a:t>
             </a:fld>
             <a:endParaRPr lang="id-ID"/>
           </a:p>
@@ -14564,7 +14564,7 @@
           <a:p>
             <a:fld id="{45CD018C-991F-47FD-9481-F0BAE3BB53BE}" type="datetime1">
               <a:rPr lang="en-US" smtClean="0"/>
-              <a:t>1/1/2022</a:t>
+              <a:t>1/28/2023</a:t>
             </a:fld>
             <a:endParaRPr lang="id-ID"/>
           </a:p>
@@ -14882,7 +14882,7 @@
           <a:p>
             <a:fld id="{E67CFA38-FAF1-4135-92A8-14AD67C31E35}" type="datetime1">
               <a:rPr lang="en-US" smtClean="0"/>
-              <a:t>1/1/2022</a:t>
+              <a:t>1/28/2023</a:t>
             </a:fld>
             <a:endParaRPr lang="id-ID"/>
           </a:p>
@@ -15200,7 +15200,7 @@
           <a:p>
             <a:fld id="{B6FA52A1-724E-46D1-823D-876628BF721A}" type="datetime1">
               <a:rPr lang="en-US" smtClean="0"/>
-              <a:t>1/1/2022</a:t>
+              <a:t>1/28/2023</a:t>
             </a:fld>
             <a:endParaRPr lang="id-ID"/>
           </a:p>
@@ -15666,7 +15666,7 @@
           <a:p>
             <a:fld id="{7BA30B61-3CE4-4B47-9620-2FB9C2B1726C}" type="datetime1">
               <a:rPr lang="en-US" smtClean="0"/>
-              <a:t>1/1/2022</a:t>
+              <a:t>1/28/2023</a:t>
             </a:fld>
             <a:endParaRPr lang="id-ID"/>
           </a:p>
@@ -16947,7 +16947,7 @@
             </a:ln>
             <a:extLst>
               <a:ext uri="{91240B29-F687-4f45-9708-019B960494DF}">
-                <a14:hiddenLine xmlns="" xmlns:a14="http://schemas.microsoft.com/office/drawing/2010/main" w="9525">
+                <a14:hiddenLine xmlns:a14="http://schemas.microsoft.com/office/drawing/2010/main" xmlns="" w="9525">
                   <a:solidFill>
                     <a:srgbClr val="000000"/>
                   </a:solidFill>
@@ -26550,7 +26550,7 @@
           <a:effectLst/>
           <a:extLst>
             <a:ext uri="{91240B29-F687-4f45-9708-019B960494DF}">
-              <a14:hiddenLine xmlns="" xmlns:a14="http://schemas.microsoft.com/office/drawing/2010/main" w="12700" cap="flat" cmpd="sng">
+              <a14:hiddenLine xmlns:a14="http://schemas.microsoft.com/office/drawing/2010/main" xmlns="" w="12700" cap="flat" cmpd="sng">
                 <a:solidFill>
                   <a:srgbClr val="000000"/>
                 </a:solidFill>
@@ -26561,7 +26561,7 @@
               </a14:hiddenLine>
             </a:ext>
             <a:ext uri="{AF507438-7753-43e0-B8FC-AC1667EBCBE1}">
-              <a14:hiddenEffects xmlns="" xmlns:a14="http://schemas.microsoft.com/office/drawing/2010/main">
+              <a14:hiddenEffects xmlns:a14="http://schemas.microsoft.com/office/drawing/2010/main" xmlns="">
                 <a:effectLst>
                   <a:outerShdw blurRad="63500" dist="38099" dir="2700000" algn="ctr" rotWithShape="0">
                     <a:srgbClr val="000000">
@@ -26957,7 +26957,7 @@
             <a:effectLst/>
             <a:extLst>
               <a:ext uri="{91240B29-F687-4f45-9708-019B960494DF}">
-                <a14:hiddenLine xmlns="" xmlns:a14="http://schemas.microsoft.com/office/drawing/2010/main" w="12700" cap="flat" cmpd="sng">
+                <a14:hiddenLine xmlns:a14="http://schemas.microsoft.com/office/drawing/2010/main" xmlns="" w="12700" cap="flat" cmpd="sng">
                   <a:solidFill>
                     <a:srgbClr val="000000"/>
                   </a:solidFill>
@@ -26968,7 +26968,7 @@
                 </a14:hiddenLine>
               </a:ext>
               <a:ext uri="{AF507438-7753-43e0-B8FC-AC1667EBCBE1}">
-                <a14:hiddenEffects xmlns="" xmlns:a14="http://schemas.microsoft.com/office/drawing/2010/main">
+                <a14:hiddenEffects xmlns:a14="http://schemas.microsoft.com/office/drawing/2010/main" xmlns="">
                   <a:effectLst>
                     <a:outerShdw blurRad="63500" dist="38099" dir="2700000" algn="ctr" rotWithShape="0">
                       <a:srgbClr val="000000">
@@ -27182,7 +27182,7 @@
             <a:effectLst/>
             <a:extLst>
               <a:ext uri="{91240B29-F687-4f45-9708-019B960494DF}">
-                <a14:hiddenLine xmlns="" xmlns:a14="http://schemas.microsoft.com/office/drawing/2010/main" w="12700" cap="flat" cmpd="sng">
+                <a14:hiddenLine xmlns:a14="http://schemas.microsoft.com/office/drawing/2010/main" xmlns="" w="12700" cap="flat" cmpd="sng">
                   <a:solidFill>
                     <a:srgbClr val="000000"/>
                   </a:solidFill>
@@ -27193,7 +27193,7 @@
                 </a14:hiddenLine>
               </a:ext>
               <a:ext uri="{AF507438-7753-43e0-B8FC-AC1667EBCBE1}">
-                <a14:hiddenEffects xmlns="" xmlns:a14="http://schemas.microsoft.com/office/drawing/2010/main">
+                <a14:hiddenEffects xmlns:a14="http://schemas.microsoft.com/office/drawing/2010/main" xmlns="">
                   <a:effectLst>
                     <a:outerShdw blurRad="63500" dist="38099" dir="2700000" algn="ctr" rotWithShape="0">
                       <a:srgbClr val="000000">
@@ -30135,7 +30135,7 @@
           <a:effectLst/>
           <a:extLst>
             <a:ext uri="{91240B29-F687-4f45-9708-019B960494DF}">
-              <a14:hiddenLine xmlns="" xmlns:a14="http://schemas.microsoft.com/office/drawing/2010/main" w="12700" cap="flat" cmpd="sng">
+              <a14:hiddenLine xmlns:a14="http://schemas.microsoft.com/office/drawing/2010/main" xmlns="" w="12700" cap="flat" cmpd="sng">
                 <a:solidFill>
                   <a:srgbClr val="000000"/>
                 </a:solidFill>
@@ -30146,7 +30146,7 @@
               </a14:hiddenLine>
             </a:ext>
             <a:ext uri="{AF507438-7753-43e0-B8FC-AC1667EBCBE1}">
-              <a14:hiddenEffects xmlns="" xmlns:a14="http://schemas.microsoft.com/office/drawing/2010/main">
+              <a14:hiddenEffects xmlns:a14="http://schemas.microsoft.com/office/drawing/2010/main" xmlns="">
                 <a:effectLst>
                   <a:outerShdw blurRad="63500" dist="38099" dir="2700000" algn="ctr" rotWithShape="0">
                     <a:srgbClr val="000000">
@@ -30542,7 +30542,7 @@
             <a:effectLst/>
             <a:extLst>
               <a:ext uri="{91240B29-F687-4f45-9708-019B960494DF}">
-                <a14:hiddenLine xmlns="" xmlns:a14="http://schemas.microsoft.com/office/drawing/2010/main" w="12700" cap="flat" cmpd="sng">
+                <a14:hiddenLine xmlns:a14="http://schemas.microsoft.com/office/drawing/2010/main" xmlns="" w="12700" cap="flat" cmpd="sng">
                   <a:solidFill>
                     <a:srgbClr val="000000"/>
                   </a:solidFill>
@@ -30553,7 +30553,7 @@
                 </a14:hiddenLine>
               </a:ext>
               <a:ext uri="{AF507438-7753-43e0-B8FC-AC1667EBCBE1}">
-                <a14:hiddenEffects xmlns="" xmlns:a14="http://schemas.microsoft.com/office/drawing/2010/main">
+                <a14:hiddenEffects xmlns:a14="http://schemas.microsoft.com/office/drawing/2010/main" xmlns="">
                   <a:effectLst>
                     <a:outerShdw blurRad="63500" dist="38099" dir="2700000" algn="ctr" rotWithShape="0">
                       <a:srgbClr val="000000">
@@ -30767,7 +30767,7 @@
             <a:effectLst/>
             <a:extLst>
               <a:ext uri="{91240B29-F687-4f45-9708-019B960494DF}">
-                <a14:hiddenLine xmlns="" xmlns:a14="http://schemas.microsoft.com/office/drawing/2010/main" w="12700" cap="flat" cmpd="sng">
+                <a14:hiddenLine xmlns:a14="http://schemas.microsoft.com/office/drawing/2010/main" xmlns="" w="12700" cap="flat" cmpd="sng">
                   <a:solidFill>
                     <a:srgbClr val="000000"/>
                   </a:solidFill>
@@ -30778,7 +30778,7 @@
                 </a14:hiddenLine>
               </a:ext>
               <a:ext uri="{AF507438-7753-43e0-B8FC-AC1667EBCBE1}">
-                <a14:hiddenEffects xmlns="" xmlns:a14="http://schemas.microsoft.com/office/drawing/2010/main">
+                <a14:hiddenEffects xmlns:a14="http://schemas.microsoft.com/office/drawing/2010/main" xmlns="">
                   <a:effectLst>
                     <a:outerShdw blurRad="63500" dist="38099" dir="2700000" algn="ctr" rotWithShape="0">
                       <a:srgbClr val="000000">
